--- a/발표.pptx
+++ b/발표.pptx
@@ -11,7 +11,12 @@
     <p:sldId id="258" r:id="rId5"/>
     <p:sldId id="262" r:id="rId6"/>
     <p:sldId id="263" r:id="rId7"/>
-    <p:sldId id="260" r:id="rId8"/>
+    <p:sldId id="268" r:id="rId8"/>
+    <p:sldId id="264" r:id="rId9"/>
+    <p:sldId id="265" r:id="rId10"/>
+    <p:sldId id="266" r:id="rId11"/>
+    <p:sldId id="267" r:id="rId12"/>
+    <p:sldId id="260" r:id="rId13"/>
   </p:sldIdLst>
   <p:sldSz cx="12192000" cy="6858000"/>
   <p:notesSz cx="6858000" cy="9144000"/>
@@ -4060,6 +4065,677 @@
 </p:sld>
 </file>
 
+<file path=ppt/slides/slide10.xml><?xml version="1.0" encoding="utf-8"?>
+<p:sld xmlns:a="http://schemas.openxmlformats.org/drawingml/2006/main" xmlns:r="http://schemas.openxmlformats.org/officeDocument/2006/relationships" xmlns:p="http://schemas.openxmlformats.org/presentationml/2006/main">
+  <p:cSld>
+    <p:spTree>
+      <p:nvGrpSpPr>
+        <p:cNvPr id="1" name=""/>
+        <p:cNvGrpSpPr/>
+        <p:nvPr/>
+      </p:nvGrpSpPr>
+      <p:grpSpPr>
+        <a:xfrm>
+          <a:off x="0" y="0"/>
+          <a:ext cx="0" cy="0"/>
+          <a:chOff x="0" y="0"/>
+          <a:chExt cx="0" cy="0"/>
+        </a:xfrm>
+      </p:grpSpPr>
+      <p:sp>
+        <p:nvSpPr>
+          <p:cNvPr id="4" name="제목 1">
+            <a:extLst>
+              <a:ext uri="{FF2B5EF4-FFF2-40B4-BE49-F238E27FC236}">
+                <a16:creationId xmlns:a16="http://schemas.microsoft.com/office/drawing/2014/main" id="{A60BC916-8A5E-0FFD-0C9F-1538445E3854}"/>
+              </a:ext>
+            </a:extLst>
+          </p:cNvPr>
+          <p:cNvSpPr txBox="1">
+            <a:spLocks/>
+          </p:cNvSpPr>
+          <p:nvPr/>
+        </p:nvSpPr>
+        <p:spPr>
+          <a:xfrm>
+            <a:off x="1143000" y="278407"/>
+            <a:ext cx="9905999" cy="1360898"/>
+          </a:xfrm>
+          <a:prstGeom prst="rect">
+            <a:avLst/>
+          </a:prstGeom>
+        </p:spPr>
+        <p:txBody>
+          <a:bodyPr lIns="109728" tIns="109728" rIns="109728" bIns="91440" anchor="ctr"/>
+          <a:lstStyle>
+            <a:lvl1pPr algn="l" defTabSz="914400" rtl="0" eaLnBrk="1" latinLnBrk="0" hangingPunct="1">
+              <a:lnSpc>
+                <a:spcPct val="110000"/>
+              </a:lnSpc>
+              <a:spcBef>
+                <a:spcPct val="0"/>
+              </a:spcBef>
+              <a:buNone/>
+              <a:defRPr sz="4000" b="1" kern="1200" spc="70">
+                <a:solidFill>
+                  <a:schemeClr val="tx1"/>
+                </a:solidFill>
+                <a:latin typeface="+mj-lt"/>
+                <a:ea typeface="+mj-ea"/>
+                <a:cs typeface="+mj-cs"/>
+              </a:defRPr>
+            </a:lvl1pPr>
+          </a:lstStyle>
+          <a:p>
+            <a:r>
+              <a:rPr lang="ko-KR" altLang="en-US" dirty="0"/>
+              <a:t>개발 합병</a:t>
+            </a:r>
+          </a:p>
+        </p:txBody>
+      </p:sp>
+      <p:pic>
+        <p:nvPicPr>
+          <p:cNvPr id="6" name="그림 5">
+            <a:extLst>
+              <a:ext uri="{FF2B5EF4-FFF2-40B4-BE49-F238E27FC236}">
+                <a16:creationId xmlns:a16="http://schemas.microsoft.com/office/drawing/2014/main" id="{8437C3D3-2F02-AADE-870D-466B4755EA0B}"/>
+              </a:ext>
+            </a:extLst>
+          </p:cNvPr>
+          <p:cNvPicPr>
+            <a:picLocks noChangeAspect="1"/>
+          </p:cNvPicPr>
+          <p:nvPr/>
+        </p:nvPicPr>
+        <p:blipFill>
+          <a:blip r:embed="rId2"/>
+          <a:stretch>
+            <a:fillRect/>
+          </a:stretch>
+        </p:blipFill>
+        <p:spPr>
+          <a:xfrm>
+            <a:off x="1142999" y="1485872"/>
+            <a:ext cx="9905999" cy="4735141"/>
+          </a:xfrm>
+          <a:prstGeom prst="rect">
+            <a:avLst/>
+          </a:prstGeom>
+        </p:spPr>
+      </p:pic>
+      <p:sp>
+        <p:nvSpPr>
+          <p:cNvPr id="7" name="타원 6">
+            <a:extLst>
+              <a:ext uri="{FF2B5EF4-FFF2-40B4-BE49-F238E27FC236}">
+                <a16:creationId xmlns:a16="http://schemas.microsoft.com/office/drawing/2014/main" id="{E3DA15C4-5268-B1F7-90B4-64FC91295525}"/>
+              </a:ext>
+            </a:extLst>
+          </p:cNvPr>
+          <p:cNvSpPr/>
+          <p:nvPr/>
+        </p:nvSpPr>
+        <p:spPr>
+          <a:xfrm>
+            <a:off x="3254475" y="3156155"/>
+            <a:ext cx="255639" cy="233516"/>
+          </a:xfrm>
+          <a:prstGeom prst="ellipse">
+            <a:avLst/>
+          </a:prstGeom>
+          <a:solidFill>
+            <a:srgbClr val="FF0000"/>
+          </a:solidFill>
+          <a:ln>
+            <a:solidFill>
+              <a:srgbClr val="FF0000"/>
+            </a:solidFill>
+          </a:ln>
+        </p:spPr>
+        <p:style>
+          <a:lnRef idx="2">
+            <a:schemeClr val="accent1">
+              <a:shade val="15000"/>
+            </a:schemeClr>
+          </a:lnRef>
+          <a:fillRef idx="1">
+            <a:schemeClr val="accent1"/>
+          </a:fillRef>
+          <a:effectRef idx="0">
+            <a:schemeClr val="accent1"/>
+          </a:effectRef>
+          <a:fontRef idx="minor">
+            <a:schemeClr val="lt1"/>
+          </a:fontRef>
+        </p:style>
+        <p:txBody>
+          <a:bodyPr rtlCol="0" anchor="ctr"/>
+          <a:lstStyle/>
+          <a:p>
+            <a:pPr algn="ctr"/>
+            <a:r>
+              <a:rPr lang="en-US" altLang="ko-KR" dirty="0">
+                <a:solidFill>
+                  <a:sysClr val="windowText" lastClr="000000"/>
+                </a:solidFill>
+              </a:rPr>
+              <a:t>1</a:t>
+            </a:r>
+            <a:endParaRPr lang="ko-KR" altLang="en-US" dirty="0">
+              <a:solidFill>
+                <a:sysClr val="windowText" lastClr="000000"/>
+              </a:solidFill>
+            </a:endParaRPr>
+          </a:p>
+        </p:txBody>
+      </p:sp>
+      <p:sp>
+        <p:nvSpPr>
+          <p:cNvPr id="8" name="타원 7">
+            <a:extLst>
+              <a:ext uri="{FF2B5EF4-FFF2-40B4-BE49-F238E27FC236}">
+                <a16:creationId xmlns:a16="http://schemas.microsoft.com/office/drawing/2014/main" id="{04199C63-69A4-406D-04C9-A6EE471499C5}"/>
+              </a:ext>
+            </a:extLst>
+          </p:cNvPr>
+          <p:cNvSpPr/>
+          <p:nvPr/>
+        </p:nvSpPr>
+        <p:spPr>
+          <a:xfrm>
+            <a:off x="6631856" y="3183194"/>
+            <a:ext cx="255639" cy="233516"/>
+          </a:xfrm>
+          <a:prstGeom prst="ellipse">
+            <a:avLst/>
+          </a:prstGeom>
+          <a:solidFill>
+            <a:srgbClr val="FF0000"/>
+          </a:solidFill>
+          <a:ln>
+            <a:solidFill>
+              <a:srgbClr val="FF0000"/>
+            </a:solidFill>
+          </a:ln>
+        </p:spPr>
+        <p:style>
+          <a:lnRef idx="2">
+            <a:schemeClr val="accent1">
+              <a:shade val="15000"/>
+            </a:schemeClr>
+          </a:lnRef>
+          <a:fillRef idx="1">
+            <a:schemeClr val="accent1"/>
+          </a:fillRef>
+          <a:effectRef idx="0">
+            <a:schemeClr val="accent1"/>
+          </a:effectRef>
+          <a:fontRef idx="minor">
+            <a:schemeClr val="lt1"/>
+          </a:fontRef>
+        </p:style>
+        <p:txBody>
+          <a:bodyPr rtlCol="0" anchor="ctr"/>
+          <a:lstStyle/>
+          <a:p>
+            <a:pPr algn="ctr"/>
+            <a:r>
+              <a:rPr lang="en-US" altLang="ko-KR" dirty="0">
+                <a:solidFill>
+                  <a:sysClr val="windowText" lastClr="000000"/>
+                </a:solidFill>
+              </a:rPr>
+              <a:t>2</a:t>
+            </a:r>
+            <a:endParaRPr lang="ko-KR" altLang="en-US" dirty="0">
+              <a:solidFill>
+                <a:sysClr val="windowText" lastClr="000000"/>
+              </a:solidFill>
+            </a:endParaRPr>
+          </a:p>
+        </p:txBody>
+      </p:sp>
+    </p:spTree>
+    <p:extLst>
+      <p:ext uri="{BB962C8B-B14F-4D97-AF65-F5344CB8AC3E}">
+        <p14:creationId xmlns:p14="http://schemas.microsoft.com/office/powerpoint/2010/main" val="932246060"/>
+      </p:ext>
+    </p:extLst>
+  </p:cSld>
+  <p:clrMapOvr>
+    <a:masterClrMapping/>
+  </p:clrMapOvr>
+</p:sld>
+</file>
+
+<file path=ppt/slides/slide11.xml><?xml version="1.0" encoding="utf-8"?>
+<p:sld xmlns:a="http://schemas.openxmlformats.org/drawingml/2006/main" xmlns:r="http://schemas.openxmlformats.org/officeDocument/2006/relationships" xmlns:p="http://schemas.openxmlformats.org/presentationml/2006/main">
+  <p:cSld>
+    <p:spTree>
+      <p:nvGrpSpPr>
+        <p:cNvPr id="1" name=""/>
+        <p:cNvGrpSpPr/>
+        <p:nvPr/>
+      </p:nvGrpSpPr>
+      <p:grpSpPr>
+        <a:xfrm>
+          <a:off x="0" y="0"/>
+          <a:ext cx="0" cy="0"/>
+          <a:chOff x="0" y="0"/>
+          <a:chExt cx="0" cy="0"/>
+        </a:xfrm>
+      </p:grpSpPr>
+      <p:sp>
+        <p:nvSpPr>
+          <p:cNvPr id="4" name="제목 1">
+            <a:extLst>
+              <a:ext uri="{FF2B5EF4-FFF2-40B4-BE49-F238E27FC236}">
+                <a16:creationId xmlns:a16="http://schemas.microsoft.com/office/drawing/2014/main" id="{8195F579-9947-26EA-9E15-60E20C741348}"/>
+              </a:ext>
+            </a:extLst>
+          </p:cNvPr>
+          <p:cNvSpPr txBox="1">
+            <a:spLocks/>
+          </p:cNvSpPr>
+          <p:nvPr/>
+        </p:nvSpPr>
+        <p:spPr>
+          <a:xfrm>
+            <a:off x="1143000" y="278407"/>
+            <a:ext cx="9905999" cy="1360898"/>
+          </a:xfrm>
+          <a:prstGeom prst="rect">
+            <a:avLst/>
+          </a:prstGeom>
+        </p:spPr>
+        <p:txBody>
+          <a:bodyPr lIns="109728" tIns="109728" rIns="109728" bIns="91440" anchor="ctr"/>
+          <a:lstStyle>
+            <a:lvl1pPr algn="l" defTabSz="914400" rtl="0" eaLnBrk="1" latinLnBrk="0" hangingPunct="1">
+              <a:lnSpc>
+                <a:spcPct val="110000"/>
+              </a:lnSpc>
+              <a:spcBef>
+                <a:spcPct val="0"/>
+              </a:spcBef>
+              <a:buNone/>
+              <a:defRPr sz="4000" b="1" kern="1200" spc="70">
+                <a:solidFill>
+                  <a:schemeClr val="tx1"/>
+                </a:solidFill>
+                <a:latin typeface="+mj-lt"/>
+                <a:ea typeface="+mj-ea"/>
+                <a:cs typeface="+mj-cs"/>
+              </a:defRPr>
+            </a:lvl1pPr>
+          </a:lstStyle>
+          <a:p>
+            <a:r>
+              <a:rPr lang="ko-KR" altLang="en-US" dirty="0"/>
+              <a:t>개발 합병</a:t>
+            </a:r>
+          </a:p>
+        </p:txBody>
+      </p:sp>
+      <p:pic>
+        <p:nvPicPr>
+          <p:cNvPr id="7" name="그림 6">
+            <a:extLst>
+              <a:ext uri="{FF2B5EF4-FFF2-40B4-BE49-F238E27FC236}">
+                <a16:creationId xmlns:a16="http://schemas.microsoft.com/office/drawing/2014/main" id="{1DBF1811-E2B7-BF77-6FEF-69FF481DDF27}"/>
+              </a:ext>
+            </a:extLst>
+          </p:cNvPr>
+          <p:cNvPicPr>
+            <a:picLocks noChangeAspect="1"/>
+          </p:cNvPicPr>
+          <p:nvPr/>
+        </p:nvPicPr>
+        <p:blipFill>
+          <a:blip r:embed="rId2">
+            <a:extLst>
+              <a:ext uri="{28A0092B-C50C-407E-A947-70E740481C1C}">
+                <a14:useLocalDpi xmlns:a14="http://schemas.microsoft.com/office/drawing/2010/main" val="0"/>
+              </a:ext>
+            </a:extLst>
+          </a:blip>
+          <a:srcRect/>
+          <a:stretch/>
+        </p:blipFill>
+        <p:spPr>
+          <a:xfrm>
+            <a:off x="1142999" y="1491720"/>
+            <a:ext cx="9905999" cy="4708893"/>
+          </a:xfrm>
+          <a:prstGeom prst="rect">
+            <a:avLst/>
+          </a:prstGeom>
+        </p:spPr>
+      </p:pic>
+      <p:sp>
+        <p:nvSpPr>
+          <p:cNvPr id="8" name="타원 7">
+            <a:extLst>
+              <a:ext uri="{FF2B5EF4-FFF2-40B4-BE49-F238E27FC236}">
+                <a16:creationId xmlns:a16="http://schemas.microsoft.com/office/drawing/2014/main" id="{80268FF3-1D80-5959-2148-D2660BBF51B3}"/>
+              </a:ext>
+            </a:extLst>
+          </p:cNvPr>
+          <p:cNvSpPr/>
+          <p:nvPr/>
+        </p:nvSpPr>
+        <p:spPr>
+          <a:xfrm>
+            <a:off x="5358578" y="3612651"/>
+            <a:ext cx="255639" cy="233516"/>
+          </a:xfrm>
+          <a:prstGeom prst="ellipse">
+            <a:avLst/>
+          </a:prstGeom>
+          <a:solidFill>
+            <a:srgbClr val="FF0000"/>
+          </a:solidFill>
+          <a:ln>
+            <a:solidFill>
+              <a:srgbClr val="FF0000"/>
+            </a:solidFill>
+          </a:ln>
+        </p:spPr>
+        <p:style>
+          <a:lnRef idx="2">
+            <a:schemeClr val="accent1">
+              <a:shade val="15000"/>
+            </a:schemeClr>
+          </a:lnRef>
+          <a:fillRef idx="1">
+            <a:schemeClr val="accent1"/>
+          </a:fillRef>
+          <a:effectRef idx="0">
+            <a:schemeClr val="accent1"/>
+          </a:effectRef>
+          <a:fontRef idx="minor">
+            <a:schemeClr val="lt1"/>
+          </a:fontRef>
+        </p:style>
+        <p:txBody>
+          <a:bodyPr rtlCol="0" anchor="ctr"/>
+          <a:lstStyle/>
+          <a:p>
+            <a:pPr algn="ctr"/>
+            <a:r>
+              <a:rPr lang="en-US" altLang="ko-KR" dirty="0">
+                <a:solidFill>
+                  <a:sysClr val="windowText" lastClr="000000"/>
+                </a:solidFill>
+              </a:rPr>
+              <a:t>3</a:t>
+            </a:r>
+            <a:endParaRPr lang="ko-KR" altLang="en-US" dirty="0">
+              <a:solidFill>
+                <a:sysClr val="windowText" lastClr="000000"/>
+              </a:solidFill>
+            </a:endParaRPr>
+          </a:p>
+        </p:txBody>
+      </p:sp>
+    </p:spTree>
+    <p:extLst>
+      <p:ext uri="{BB962C8B-B14F-4D97-AF65-F5344CB8AC3E}">
+        <p14:creationId xmlns:p14="http://schemas.microsoft.com/office/powerpoint/2010/main" val="2350064996"/>
+      </p:ext>
+    </p:extLst>
+  </p:cSld>
+  <p:clrMapOvr>
+    <a:masterClrMapping/>
+  </p:clrMapOvr>
+</p:sld>
+</file>
+
+<file path=ppt/slides/slide12.xml><?xml version="1.0" encoding="utf-8"?>
+<p:sld xmlns:a="http://schemas.openxmlformats.org/drawingml/2006/main" xmlns:r="http://schemas.openxmlformats.org/officeDocument/2006/relationships" xmlns:p="http://schemas.openxmlformats.org/presentationml/2006/main">
+  <p:cSld>
+    <p:spTree>
+      <p:nvGrpSpPr>
+        <p:cNvPr id="1" name=""/>
+        <p:cNvGrpSpPr/>
+        <p:nvPr/>
+      </p:nvGrpSpPr>
+      <p:grpSpPr>
+        <a:xfrm>
+          <a:off x="0" y="0"/>
+          <a:ext cx="0" cy="0"/>
+          <a:chOff x="0" y="0"/>
+          <a:chExt cx="0" cy="0"/>
+        </a:xfrm>
+      </p:grpSpPr>
+      <p:pic>
+        <p:nvPicPr>
+          <p:cNvPr id="4" name="그림 3">
+            <a:extLst>
+              <a:ext uri="{FF2B5EF4-FFF2-40B4-BE49-F238E27FC236}">
+                <a16:creationId xmlns:a16="http://schemas.microsoft.com/office/drawing/2014/main" id="{FF5F3BC1-1793-4967-F0A3-F55A06D59FED}"/>
+              </a:ext>
+            </a:extLst>
+          </p:cNvPr>
+          <p:cNvPicPr>
+            <a:picLocks noChangeAspect="1"/>
+          </p:cNvPicPr>
+          <p:nvPr/>
+        </p:nvPicPr>
+        <p:blipFill>
+          <a:blip r:embed="rId2"/>
+          <a:stretch>
+            <a:fillRect/>
+          </a:stretch>
+        </p:blipFill>
+        <p:spPr>
+          <a:xfrm>
+            <a:off x="1142999" y="1485872"/>
+            <a:ext cx="9905999" cy="4735141"/>
+          </a:xfrm>
+          <a:prstGeom prst="rect">
+            <a:avLst/>
+          </a:prstGeom>
+        </p:spPr>
+      </p:pic>
+      <p:sp>
+        <p:nvSpPr>
+          <p:cNvPr id="5" name="타원 4">
+            <a:extLst>
+              <a:ext uri="{FF2B5EF4-FFF2-40B4-BE49-F238E27FC236}">
+                <a16:creationId xmlns:a16="http://schemas.microsoft.com/office/drawing/2014/main" id="{E9C0EC49-1719-8F93-173A-0CC2A94B06F4}"/>
+              </a:ext>
+            </a:extLst>
+          </p:cNvPr>
+          <p:cNvSpPr/>
+          <p:nvPr/>
+        </p:nvSpPr>
+        <p:spPr>
+          <a:xfrm>
+            <a:off x="4581829" y="1351710"/>
+            <a:ext cx="255639" cy="233516"/>
+          </a:xfrm>
+          <a:prstGeom prst="ellipse">
+            <a:avLst/>
+          </a:prstGeom>
+          <a:solidFill>
+            <a:srgbClr val="FF0000"/>
+          </a:solidFill>
+          <a:ln>
+            <a:solidFill>
+              <a:srgbClr val="FF0000"/>
+            </a:solidFill>
+          </a:ln>
+        </p:spPr>
+        <p:style>
+          <a:lnRef idx="2">
+            <a:schemeClr val="accent1">
+              <a:shade val="15000"/>
+            </a:schemeClr>
+          </a:lnRef>
+          <a:fillRef idx="1">
+            <a:schemeClr val="accent1"/>
+          </a:fillRef>
+          <a:effectRef idx="0">
+            <a:schemeClr val="accent1"/>
+          </a:effectRef>
+          <a:fontRef idx="minor">
+            <a:schemeClr val="lt1"/>
+          </a:fontRef>
+        </p:style>
+        <p:txBody>
+          <a:bodyPr rtlCol="0" anchor="ctr"/>
+          <a:lstStyle/>
+          <a:p>
+            <a:pPr algn="ctr"/>
+            <a:r>
+              <a:rPr lang="en-US" altLang="ko-KR" dirty="0">
+                <a:solidFill>
+                  <a:sysClr val="windowText" lastClr="000000"/>
+                </a:solidFill>
+              </a:rPr>
+              <a:t>4</a:t>
+            </a:r>
+            <a:endParaRPr lang="ko-KR" altLang="en-US" dirty="0">
+              <a:solidFill>
+                <a:sysClr val="windowText" lastClr="000000"/>
+              </a:solidFill>
+            </a:endParaRPr>
+          </a:p>
+        </p:txBody>
+      </p:sp>
+      <p:sp>
+        <p:nvSpPr>
+          <p:cNvPr id="6" name="타원 5">
+            <a:extLst>
+              <a:ext uri="{FF2B5EF4-FFF2-40B4-BE49-F238E27FC236}">
+                <a16:creationId xmlns:a16="http://schemas.microsoft.com/office/drawing/2014/main" id="{6C03D5A4-3965-8E5E-1500-64A6E308DBE0}"/>
+              </a:ext>
+            </a:extLst>
+          </p:cNvPr>
+          <p:cNvSpPr/>
+          <p:nvPr/>
+        </p:nvSpPr>
+        <p:spPr>
+          <a:xfrm>
+            <a:off x="3927985" y="1355398"/>
+            <a:ext cx="255639" cy="233516"/>
+          </a:xfrm>
+          <a:prstGeom prst="ellipse">
+            <a:avLst/>
+          </a:prstGeom>
+          <a:solidFill>
+            <a:srgbClr val="FF0000"/>
+          </a:solidFill>
+          <a:ln>
+            <a:solidFill>
+              <a:srgbClr val="FF0000"/>
+            </a:solidFill>
+          </a:ln>
+        </p:spPr>
+        <p:style>
+          <a:lnRef idx="2">
+            <a:schemeClr val="accent1">
+              <a:shade val="15000"/>
+            </a:schemeClr>
+          </a:lnRef>
+          <a:fillRef idx="1">
+            <a:schemeClr val="accent1"/>
+          </a:fillRef>
+          <a:effectRef idx="0">
+            <a:schemeClr val="accent1"/>
+          </a:effectRef>
+          <a:fontRef idx="minor">
+            <a:schemeClr val="lt1"/>
+          </a:fontRef>
+        </p:style>
+        <p:txBody>
+          <a:bodyPr rtlCol="0" anchor="ctr"/>
+          <a:lstStyle/>
+          <a:p>
+            <a:pPr algn="ctr"/>
+            <a:r>
+              <a:rPr lang="en-US" altLang="ko-KR" dirty="0">
+                <a:solidFill>
+                  <a:sysClr val="windowText" lastClr="000000"/>
+                </a:solidFill>
+              </a:rPr>
+              <a:t>5</a:t>
+            </a:r>
+            <a:endParaRPr lang="ko-KR" altLang="en-US" dirty="0">
+              <a:solidFill>
+                <a:sysClr val="windowText" lastClr="000000"/>
+              </a:solidFill>
+            </a:endParaRPr>
+          </a:p>
+        </p:txBody>
+      </p:sp>
+      <p:sp>
+        <p:nvSpPr>
+          <p:cNvPr id="9" name="제목 1">
+            <a:extLst>
+              <a:ext uri="{FF2B5EF4-FFF2-40B4-BE49-F238E27FC236}">
+                <a16:creationId xmlns:a16="http://schemas.microsoft.com/office/drawing/2014/main" id="{8D0ECDFF-4D3B-47C8-FCA2-A41A656EF8FA}"/>
+              </a:ext>
+            </a:extLst>
+          </p:cNvPr>
+          <p:cNvSpPr txBox="1">
+            <a:spLocks/>
+          </p:cNvSpPr>
+          <p:nvPr/>
+        </p:nvSpPr>
+        <p:spPr>
+          <a:xfrm>
+            <a:off x="1143000" y="278407"/>
+            <a:ext cx="9905999" cy="1360898"/>
+          </a:xfrm>
+          <a:prstGeom prst="rect">
+            <a:avLst/>
+          </a:prstGeom>
+        </p:spPr>
+        <p:txBody>
+          <a:bodyPr lIns="109728" tIns="109728" rIns="109728" bIns="91440" anchor="ctr"/>
+          <a:lstStyle>
+            <a:lvl1pPr algn="l" defTabSz="914400" rtl="0" eaLnBrk="1" latinLnBrk="0" hangingPunct="1">
+              <a:lnSpc>
+                <a:spcPct val="110000"/>
+              </a:lnSpc>
+              <a:spcBef>
+                <a:spcPct val="0"/>
+              </a:spcBef>
+              <a:buNone/>
+              <a:defRPr sz="4000" b="1" kern="1200" spc="70">
+                <a:solidFill>
+                  <a:schemeClr val="tx1"/>
+                </a:solidFill>
+                <a:latin typeface="+mj-lt"/>
+                <a:ea typeface="+mj-ea"/>
+                <a:cs typeface="+mj-cs"/>
+              </a:defRPr>
+            </a:lvl1pPr>
+          </a:lstStyle>
+          <a:p>
+            <a:r>
+              <a:rPr lang="ko-KR" altLang="en-US" dirty="0"/>
+              <a:t>개발 합병</a:t>
+            </a:r>
+          </a:p>
+        </p:txBody>
+      </p:sp>
+    </p:spTree>
+    <p:extLst>
+      <p:ext uri="{BB962C8B-B14F-4D97-AF65-F5344CB8AC3E}">
+        <p14:creationId xmlns:p14="http://schemas.microsoft.com/office/powerpoint/2010/main" val="318505302"/>
+      </p:ext>
+    </p:extLst>
+  </p:cSld>
+  <p:clrMapOvr>
+    <a:masterClrMapping/>
+  </p:clrMapOvr>
+</p:sld>
+</file>
+
 <file path=ppt/slides/slide2.xml><?xml version="1.0" encoding="utf-8"?>
 <p:sld xmlns:a="http://schemas.openxmlformats.org/drawingml/2006/main" xmlns:r="http://schemas.openxmlformats.org/officeDocument/2006/relationships" xmlns:p="http://schemas.openxmlformats.org/presentationml/2006/main">
   <p:cSld>
@@ -6022,6 +6698,26 @@
               <a:rPr lang="ko-KR" altLang="en-US" dirty="0"/>
               <a:t> 담당 기능</a:t>
             </a:r>
+            <a:r>
+              <a:rPr lang="en-US" altLang="ko-KR" dirty="0"/>
+              <a:t>(</a:t>
+            </a:r>
+            <a:r>
+              <a:rPr lang="ko-KR" altLang="en-US" dirty="0"/>
+              <a:t>전부 완성되면</a:t>
+            </a:r>
+            <a:br>
+              <a:rPr lang="en-US" altLang="ko-KR" dirty="0"/>
+            </a:br>
+            <a:r>
+              <a:rPr lang="ko-KR" altLang="en-US" dirty="0"/>
+              <a:t>각 기능별로 작성</a:t>
+            </a:r>
+            <a:r>
+              <a:rPr lang="en-US" altLang="ko-KR" dirty="0"/>
+              <a:t>)</a:t>
+            </a:r>
+            <a:endParaRPr lang="ko-KR" altLang="en-US" dirty="0"/>
           </a:p>
         </p:txBody>
       </p:sp>
@@ -6057,10 +6753,10 @@
       </p:grpSpPr>
       <p:sp>
         <p:nvSpPr>
-          <p:cNvPr id="2" name="제목 1">
-            <a:extLst>
-              <a:ext uri="{FF2B5EF4-FFF2-40B4-BE49-F238E27FC236}">
-                <a16:creationId xmlns:a16="http://schemas.microsoft.com/office/drawing/2014/main" id="{0F5AD6BD-5E0B-A127-E3D4-D6C6E22672AC}"/>
+          <p:cNvPr id="4" name="제목 1">
+            <a:extLst>
+              <a:ext uri="{FF2B5EF4-FFF2-40B4-BE49-F238E27FC236}">
+                <a16:creationId xmlns:a16="http://schemas.microsoft.com/office/drawing/2014/main" id="{DC043E7D-ACB8-461C-DD97-18F9BFAA4103}"/>
               </a:ext>
             </a:extLst>
           </p:cNvPr>
@@ -6073,7 +6769,7 @@
         </p:nvSpPr>
         <p:spPr>
           <a:xfrm>
-            <a:off x="1143000" y="481049"/>
+            <a:off x="1143000" y="278407"/>
             <a:ext cx="9905999" cy="1360898"/>
           </a:xfrm>
         </p:spPr>
@@ -6082,46 +6778,371 @@
           <a:lstStyle/>
           <a:p>
             <a:r>
+              <a:rPr lang="en-US" altLang="ko-KR" dirty="0"/>
+              <a:t>Contribution Graph(</a:t>
+            </a:r>
+            <a:r>
               <a:rPr lang="ko-KR" altLang="en-US" dirty="0"/>
-              <a:t>고찰</a:t>
-            </a:r>
-          </a:p>
-        </p:txBody>
-      </p:sp>
-      <p:sp>
-        <p:nvSpPr>
-          <p:cNvPr id="3" name="내용 개체 틀 2">
-            <a:extLst>
-              <a:ext uri="{FF2B5EF4-FFF2-40B4-BE49-F238E27FC236}">
-                <a16:creationId xmlns:a16="http://schemas.microsoft.com/office/drawing/2014/main" id="{B0DD560A-D55B-C126-5819-CDB1C03C5C5E}"/>
-              </a:ext>
-            </a:extLst>
-          </p:cNvPr>
-          <p:cNvSpPr>
-            <a:spLocks noGrp="1"/>
-          </p:cNvSpPr>
-          <p:nvPr>
-            <p:ph idx="1"/>
-          </p:nvPr>
-        </p:nvSpPr>
+              <a:t>잔디밭 그래프</a:t>
+            </a:r>
+            <a:r>
+              <a:rPr lang="en-US" altLang="ko-KR" dirty="0"/>
+              <a:t>)</a:t>
+            </a:r>
+            <a:endParaRPr lang="ko-KR" altLang="en-US" dirty="0"/>
+          </a:p>
+        </p:txBody>
+      </p:sp>
+      <p:pic>
+        <p:nvPicPr>
+          <p:cNvPr id="6" name="그림 5">
+            <a:extLst>
+              <a:ext uri="{FF2B5EF4-FFF2-40B4-BE49-F238E27FC236}">
+                <a16:creationId xmlns:a16="http://schemas.microsoft.com/office/drawing/2014/main" id="{4D29FEAC-4DC7-3D42-2E72-4CF19673D826}"/>
+              </a:ext>
+            </a:extLst>
+          </p:cNvPr>
+          <p:cNvPicPr>
+            <a:picLocks noChangeAspect="1"/>
+          </p:cNvPicPr>
+          <p:nvPr/>
+        </p:nvPicPr>
+        <p:blipFill>
+          <a:blip r:embed="rId2"/>
+          <a:stretch>
+            <a:fillRect/>
+          </a:stretch>
+        </p:blipFill>
         <p:spPr>
           <a:xfrm>
-            <a:off x="1142999" y="1841947"/>
-            <a:ext cx="9905999" cy="3567118"/>
-          </a:xfrm>
+            <a:off x="1258917" y="1865499"/>
+            <a:ext cx="8678486" cy="1867161"/>
+          </a:xfrm>
+          <a:prstGeom prst="rect">
+            <a:avLst/>
+          </a:prstGeom>
         </p:spPr>
-        <p:txBody>
-          <a:bodyPr/>
+      </p:pic>
+      <p:sp>
+        <p:nvSpPr>
+          <p:cNvPr id="7" name="TextBox 6">
+            <a:extLst>
+              <a:ext uri="{FF2B5EF4-FFF2-40B4-BE49-F238E27FC236}">
+                <a16:creationId xmlns:a16="http://schemas.microsoft.com/office/drawing/2014/main" id="{48BA15AA-7B3B-9DFB-DD89-9A0A79106561}"/>
+              </a:ext>
+            </a:extLst>
+          </p:cNvPr>
+          <p:cNvSpPr txBox="1"/>
+          <p:nvPr/>
+        </p:nvSpPr>
+        <p:spPr>
+          <a:xfrm>
+            <a:off x="1258917" y="4856480"/>
+            <a:ext cx="9209572" cy="477054"/>
+          </a:xfrm>
+          <a:prstGeom prst="rect">
+            <a:avLst/>
+          </a:prstGeom>
+          <a:noFill/>
+        </p:spPr>
+        <p:txBody>
+          <a:bodyPr wrap="none" rtlCol="0">
+            <a:spAutoFit/>
+          </a:bodyPr>
           <a:lstStyle/>
           <a:p>
-            <a:endParaRPr lang="ko-KR" altLang="en-US" dirty="0"/>
+            <a:r>
+              <a:rPr lang="ko-KR" altLang="en-US" sz="2500"/>
+              <a:t>잔디밭 형태로 광운대학교 학생들의 일별 백준 제출 통계 표시 </a:t>
+            </a:r>
           </a:p>
         </p:txBody>
       </p:sp>
     </p:spTree>
     <p:extLst>
       <p:ext uri="{BB962C8B-B14F-4D97-AF65-F5344CB8AC3E}">
-        <p14:creationId xmlns:p14="http://schemas.microsoft.com/office/powerpoint/2010/main" val="318505302"/>
+        <p14:creationId xmlns:p14="http://schemas.microsoft.com/office/powerpoint/2010/main" val="684939935"/>
+      </p:ext>
+    </p:extLst>
+  </p:cSld>
+  <p:clrMapOvr>
+    <a:masterClrMapping/>
+  </p:clrMapOvr>
+</p:sld>
+</file>
+
+<file path=ppt/slides/slide8.xml><?xml version="1.0" encoding="utf-8"?>
+<p:sld xmlns:a="http://schemas.openxmlformats.org/drawingml/2006/main" xmlns:r="http://schemas.openxmlformats.org/officeDocument/2006/relationships" xmlns:p="http://schemas.openxmlformats.org/presentationml/2006/main">
+  <p:cSld>
+    <p:spTree>
+      <p:nvGrpSpPr>
+        <p:cNvPr id="1" name=""/>
+        <p:cNvGrpSpPr/>
+        <p:nvPr/>
+      </p:nvGrpSpPr>
+      <p:grpSpPr>
+        <a:xfrm>
+          <a:off x="0" y="0"/>
+          <a:ext cx="0" cy="0"/>
+          <a:chOff x="0" y="0"/>
+          <a:chExt cx="0" cy="0"/>
+        </a:xfrm>
+      </p:grpSpPr>
+      <p:sp>
+        <p:nvSpPr>
+          <p:cNvPr id="4" name="제목 1">
+            <a:extLst>
+              <a:ext uri="{FF2B5EF4-FFF2-40B4-BE49-F238E27FC236}">
+                <a16:creationId xmlns:a16="http://schemas.microsoft.com/office/drawing/2014/main" id="{6A60BAFC-0DA0-9D65-B174-1814E28AA75A}"/>
+              </a:ext>
+            </a:extLst>
+          </p:cNvPr>
+          <p:cNvSpPr>
+            <a:spLocks noGrp="1"/>
+          </p:cNvSpPr>
+          <p:nvPr>
+            <p:ph type="title"/>
+          </p:nvPr>
+        </p:nvSpPr>
+        <p:spPr>
+          <a:xfrm>
+            <a:off x="1143000" y="278407"/>
+            <a:ext cx="9905999" cy="1360898"/>
+          </a:xfrm>
+        </p:spPr>
+        <p:txBody>
+          <a:bodyPr/>
+          <a:lstStyle/>
+          <a:p>
+            <a:r>
+              <a:rPr lang="ko-KR" altLang="en-US" dirty="0"/>
+              <a:t>피드백 </a:t>
+            </a:r>
+            <a:r>
+              <a:rPr lang="en-US" altLang="ko-KR" dirty="0"/>
+              <a:t>&amp; </a:t>
+            </a:r>
+            <a:r>
+              <a:rPr lang="ko-KR" altLang="en-US" dirty="0"/>
+              <a:t>문제 해결</a:t>
+            </a:r>
+          </a:p>
+        </p:txBody>
+      </p:sp>
+      <p:pic>
+        <p:nvPicPr>
+          <p:cNvPr id="6" name="그림 5">
+            <a:extLst>
+              <a:ext uri="{FF2B5EF4-FFF2-40B4-BE49-F238E27FC236}">
+                <a16:creationId xmlns:a16="http://schemas.microsoft.com/office/drawing/2014/main" id="{99A2CE81-7E34-9FA2-3335-8936EC65EC9A}"/>
+              </a:ext>
+            </a:extLst>
+          </p:cNvPr>
+          <p:cNvPicPr>
+            <a:picLocks noChangeAspect="1"/>
+          </p:cNvPicPr>
+          <p:nvPr/>
+        </p:nvPicPr>
+        <p:blipFill>
+          <a:blip r:embed="rId2"/>
+          <a:stretch>
+            <a:fillRect/>
+          </a:stretch>
+        </p:blipFill>
+        <p:spPr>
+          <a:xfrm>
+            <a:off x="332901" y="1639305"/>
+            <a:ext cx="5356699" cy="4082418"/>
+          </a:xfrm>
+          <a:prstGeom prst="rect">
+            <a:avLst/>
+          </a:prstGeom>
+        </p:spPr>
+      </p:pic>
+      <p:pic>
+        <p:nvPicPr>
+          <p:cNvPr id="8" name="그림 7">
+            <a:extLst>
+              <a:ext uri="{FF2B5EF4-FFF2-40B4-BE49-F238E27FC236}">
+                <a16:creationId xmlns:a16="http://schemas.microsoft.com/office/drawing/2014/main" id="{2909921E-EF93-73A3-124F-569C47304C13}"/>
+              </a:ext>
+            </a:extLst>
+          </p:cNvPr>
+          <p:cNvPicPr>
+            <a:picLocks noChangeAspect="1"/>
+          </p:cNvPicPr>
+          <p:nvPr/>
+        </p:nvPicPr>
+        <p:blipFill>
+          <a:blip r:embed="rId3"/>
+          <a:stretch>
+            <a:fillRect/>
+          </a:stretch>
+        </p:blipFill>
+        <p:spPr>
+          <a:xfrm>
+            <a:off x="5943602" y="1639305"/>
+            <a:ext cx="5839914" cy="2542149"/>
+          </a:xfrm>
+          <a:prstGeom prst="rect">
+            <a:avLst/>
+          </a:prstGeom>
+        </p:spPr>
+      </p:pic>
+    </p:spTree>
+    <p:extLst>
+      <p:ext uri="{BB962C8B-B14F-4D97-AF65-F5344CB8AC3E}">
+        <p14:creationId xmlns:p14="http://schemas.microsoft.com/office/powerpoint/2010/main" val="258079102"/>
+      </p:ext>
+    </p:extLst>
+  </p:cSld>
+  <p:clrMapOvr>
+    <a:masterClrMapping/>
+  </p:clrMapOvr>
+</p:sld>
+</file>
+
+<file path=ppt/slides/slide9.xml><?xml version="1.0" encoding="utf-8"?>
+<p:sld xmlns:a="http://schemas.openxmlformats.org/drawingml/2006/main" xmlns:r="http://schemas.openxmlformats.org/officeDocument/2006/relationships" xmlns:p="http://schemas.openxmlformats.org/presentationml/2006/main">
+  <p:cSld>
+    <p:spTree>
+      <p:nvGrpSpPr>
+        <p:cNvPr id="1" name=""/>
+        <p:cNvGrpSpPr/>
+        <p:nvPr/>
+      </p:nvGrpSpPr>
+      <p:grpSpPr>
+        <a:xfrm>
+          <a:off x="0" y="0"/>
+          <a:ext cx="0" cy="0"/>
+          <a:chOff x="0" y="0"/>
+          <a:chExt cx="0" cy="0"/>
+        </a:xfrm>
+      </p:grpSpPr>
+      <p:pic>
+        <p:nvPicPr>
+          <p:cNvPr id="5" name="그림 4">
+            <a:extLst>
+              <a:ext uri="{FF2B5EF4-FFF2-40B4-BE49-F238E27FC236}">
+                <a16:creationId xmlns:a16="http://schemas.microsoft.com/office/drawing/2014/main" id="{882032C3-A724-7A31-EB50-954E7ACA4159}"/>
+              </a:ext>
+            </a:extLst>
+          </p:cNvPr>
+          <p:cNvPicPr>
+            <a:picLocks noChangeAspect="1"/>
+          </p:cNvPicPr>
+          <p:nvPr/>
+        </p:nvPicPr>
+        <p:blipFill>
+          <a:blip r:embed="rId2"/>
+          <a:stretch>
+            <a:fillRect/>
+          </a:stretch>
+        </p:blipFill>
+        <p:spPr>
+          <a:xfrm>
+            <a:off x="436880" y="1639305"/>
+            <a:ext cx="6072070" cy="4299478"/>
+          </a:xfrm>
+          <a:prstGeom prst="rect">
+            <a:avLst/>
+          </a:prstGeom>
+        </p:spPr>
+      </p:pic>
+      <p:sp>
+        <p:nvSpPr>
+          <p:cNvPr id="6" name="제목 1">
+            <a:extLst>
+              <a:ext uri="{FF2B5EF4-FFF2-40B4-BE49-F238E27FC236}">
+                <a16:creationId xmlns:a16="http://schemas.microsoft.com/office/drawing/2014/main" id="{8B112D9A-37A3-21FE-081E-84C18E3D4189}"/>
+              </a:ext>
+            </a:extLst>
+          </p:cNvPr>
+          <p:cNvSpPr txBox="1">
+            <a:spLocks/>
+          </p:cNvSpPr>
+          <p:nvPr/>
+        </p:nvSpPr>
+        <p:spPr>
+          <a:xfrm>
+            <a:off x="1143000" y="278407"/>
+            <a:ext cx="9905999" cy="1360898"/>
+          </a:xfrm>
+          <a:prstGeom prst="rect">
+            <a:avLst/>
+          </a:prstGeom>
+        </p:spPr>
+        <p:txBody>
+          <a:bodyPr lIns="109728" tIns="109728" rIns="109728" bIns="91440" anchor="ctr"/>
+          <a:lstStyle>
+            <a:lvl1pPr algn="l" defTabSz="914400" rtl="0" eaLnBrk="1" latinLnBrk="0" hangingPunct="1">
+              <a:lnSpc>
+                <a:spcPct val="110000"/>
+              </a:lnSpc>
+              <a:spcBef>
+                <a:spcPct val="0"/>
+              </a:spcBef>
+              <a:buNone/>
+              <a:defRPr sz="4000" b="1" kern="1200" spc="70">
+                <a:solidFill>
+                  <a:schemeClr val="tx1"/>
+                </a:solidFill>
+                <a:latin typeface="+mj-lt"/>
+                <a:ea typeface="+mj-ea"/>
+                <a:cs typeface="+mj-cs"/>
+              </a:defRPr>
+            </a:lvl1pPr>
+          </a:lstStyle>
+          <a:p>
+            <a:r>
+              <a:rPr lang="ko-KR" altLang="en-US" dirty="0"/>
+              <a:t>피드백 </a:t>
+            </a:r>
+            <a:r>
+              <a:rPr lang="en-US" altLang="ko-KR" dirty="0"/>
+              <a:t>&amp; </a:t>
+            </a:r>
+            <a:r>
+              <a:rPr lang="ko-KR" altLang="en-US" dirty="0"/>
+              <a:t>문제 해결</a:t>
+            </a:r>
+          </a:p>
+        </p:txBody>
+      </p:sp>
+      <p:pic>
+        <p:nvPicPr>
+          <p:cNvPr id="8" name="그림 7">
+            <a:extLst>
+              <a:ext uri="{FF2B5EF4-FFF2-40B4-BE49-F238E27FC236}">
+                <a16:creationId xmlns:a16="http://schemas.microsoft.com/office/drawing/2014/main" id="{9DAA5188-E70B-BEEF-E068-220281FFB20B}"/>
+              </a:ext>
+            </a:extLst>
+          </p:cNvPr>
+          <p:cNvPicPr>
+            <a:picLocks noChangeAspect="1"/>
+          </p:cNvPicPr>
+          <p:nvPr/>
+        </p:nvPicPr>
+        <p:blipFill>
+          <a:blip r:embed="rId3"/>
+          <a:stretch>
+            <a:fillRect/>
+          </a:stretch>
+        </p:blipFill>
+        <p:spPr>
+          <a:xfrm>
+            <a:off x="5317515" y="1639305"/>
+            <a:ext cx="6304040" cy="4299478"/>
+          </a:xfrm>
+          <a:prstGeom prst="rect">
+            <a:avLst/>
+          </a:prstGeom>
+        </p:spPr>
+      </p:pic>
+    </p:spTree>
+    <p:extLst>
+      <p:ext uri="{BB962C8B-B14F-4D97-AF65-F5344CB8AC3E}">
+        <p14:creationId xmlns:p14="http://schemas.microsoft.com/office/powerpoint/2010/main" val="1343090689"/>
       </p:ext>
     </p:extLst>
   </p:cSld>
